--- a/outils_numeriques/b1_methodes_numeriques/seance1_demistifier_python/B1_s1_1_Demystifier_Python.pptx
+++ b/outils_numeriques/b1_methodes_numeriques/seance1_demistifier_python/B1_s1_1_Demystifier_Python.pptx
@@ -232,7 +232,7 @@
           <a:p>
             <a:fld id="{E95F58B1-F1E7-421E-8CAB-1142E22FAA94}" type="datetimeFigureOut">
               <a:rPr lang="fr-FR" smtClean="0"/>
-              <a:t>26/04/2023</a:t>
+              <a:t>05/05/2023</a:t>
             </a:fld>
             <a:endParaRPr lang="fr-FR"/>
           </a:p>
@@ -1831,7 +1831,7 @@
           <a:p>
             <a:fld id="{2C6A9BE2-48D6-45F3-A4B0-8BE7C1136124}" type="datetime1">
               <a:rPr lang="en-US" smtClean="0"/>
-              <a:t>4/26/2023</a:t>
+              <a:t>5/5/2023</a:t>
             </a:fld>
             <a:endParaRPr lang="en-US" dirty="0"/>
           </a:p>
@@ -2201,7 +2201,7 @@
           <a:p>
             <a:fld id="{207990F5-EACC-4966-A287-4B4216F53718}" type="datetime1">
               <a:rPr lang="en-US" smtClean="0"/>
-              <a:t>4/26/2023</a:t>
+              <a:t>5/5/2023</a:t>
             </a:fld>
             <a:endParaRPr lang="en-US"/>
           </a:p>
@@ -2410,7 +2410,7 @@
           <a:p>
             <a:fld id="{8DBF913E-3F18-4AE4-A521-5546F23394FD}" type="datetime1">
               <a:rPr lang="en-US" smtClean="0"/>
-              <a:t>4/26/2023</a:t>
+              <a:t>5/5/2023</a:t>
             </a:fld>
             <a:endParaRPr lang="en-US"/>
           </a:p>
@@ -2880,7 +2880,7 @@
           <a:p>
             <a:fld id="{421071EA-A2A1-4B83-9FE9-827C1480F45E}" type="datetime1">
               <a:rPr lang="en-US" smtClean="0"/>
-              <a:t>4/26/2023</a:t>
+              <a:t>5/5/2023</a:t>
             </a:fld>
             <a:endParaRPr lang="en-US"/>
           </a:p>
@@ -3334,7 +3334,7 @@
           <a:p>
             <a:fld id="{7D2504F1-5060-4C10-BD92-0633042B2812}" type="datetime1">
               <a:rPr lang="en-US" smtClean="0"/>
-              <a:t>4/26/2023</a:t>
+              <a:t>5/5/2023</a:t>
             </a:fld>
             <a:endParaRPr lang="en-US"/>
           </a:p>
@@ -3866,7 +3866,7 @@
           <a:p>
             <a:fld id="{CCF0797F-0516-4828-A9E8-BF81E916FC1D}" type="datetime1">
               <a:rPr lang="en-US" smtClean="0"/>
-              <a:t>4/26/2023</a:t>
+              <a:t>5/5/2023</a:t>
             </a:fld>
             <a:endParaRPr lang="en-US"/>
           </a:p>
@@ -4565,7 +4565,7 @@
           <a:p>
             <a:fld id="{CAC274E3-1008-4E28-BFFC-77C935D233DD}" type="datetime1">
               <a:rPr lang="en-US" smtClean="0"/>
-              <a:t>4/26/2023</a:t>
+              <a:t>5/5/2023</a:t>
             </a:fld>
             <a:endParaRPr lang="en-US"/>
           </a:p>
@@ -4894,7 +4894,7 @@
           <a:p>
             <a:fld id="{81831256-70AB-43BA-B638-B038FD1822DB}" type="datetime1">
               <a:rPr lang="en-US" smtClean="0"/>
-              <a:t>4/26/2023</a:t>
+              <a:t>5/5/2023</a:t>
             </a:fld>
             <a:endParaRPr lang="en-US"/>
           </a:p>
@@ -5007,7 +5007,7 @@
           <a:p>
             <a:fld id="{B4C012F4-50C6-4AFD-90BE-024A8E4A2B02}" type="datetime1">
               <a:rPr lang="en-US" smtClean="0"/>
-              <a:t>4/26/2023</a:t>
+              <a:t>5/5/2023</a:t>
             </a:fld>
             <a:endParaRPr lang="en-US"/>
           </a:p>
@@ -5502,7 +5502,7 @@
           <a:p>
             <a:fld id="{0D6EEE37-F261-4D0D-9D02-D22EFB5FB312}" type="datetime1">
               <a:rPr lang="en-US" smtClean="0"/>
-              <a:t>4/26/2023</a:t>
+              <a:t>5/5/2023</a:t>
             </a:fld>
             <a:endParaRPr lang="en-US" dirty="0"/>
           </a:p>
@@ -5979,7 +5979,7 @@
           <a:p>
             <a:fld id="{5E2207DD-F583-4331-A80F-94A5D95D3F6E}" type="datetime1">
               <a:rPr lang="en-US" smtClean="0"/>
-              <a:t>4/26/2023</a:t>
+              <a:t>5/5/2023</a:t>
             </a:fld>
             <a:endParaRPr lang="en-US"/>
           </a:p>
@@ -6222,7 +6222,7 @@
           <a:p>
             <a:fld id="{DFF62E98-E19A-48A5-B163-ACC3DA57F658}" type="datetime1">
               <a:rPr lang="en-US" smtClean="0"/>
-              <a:t>4/26/2023</a:t>
+              <a:t>5/5/2023</a:t>
             </a:fld>
             <a:endParaRPr lang="en-US"/>
           </a:p>

--- a/outils_numeriques/b1_methodes_numeriques/seance1_demistifier_python/B1_s1_1_Demystifier_Python.pptx
+++ b/outils_numeriques/b1_methodes_numeriques/seance1_demistifier_python/B1_s1_1_Demystifier_Python.pptx
@@ -232,7 +232,7 @@
           <a:p>
             <a:fld id="{E95F58B1-F1E7-421E-8CAB-1142E22FAA94}" type="datetimeFigureOut">
               <a:rPr lang="fr-FR" smtClean="0"/>
-              <a:t>05/05/2023</a:t>
+              <a:t>21/06/2023</a:t>
             </a:fld>
             <a:endParaRPr lang="fr-FR"/>
           </a:p>
@@ -1831,7 +1831,7 @@
           <a:p>
             <a:fld id="{2C6A9BE2-48D6-45F3-A4B0-8BE7C1136124}" type="datetime1">
               <a:rPr lang="en-US" smtClean="0"/>
-              <a:t>5/5/2023</a:t>
+              <a:t>6/21/2023</a:t>
             </a:fld>
             <a:endParaRPr lang="en-US" dirty="0"/>
           </a:p>
@@ -2201,7 +2201,7 @@
           <a:p>
             <a:fld id="{207990F5-EACC-4966-A287-4B4216F53718}" type="datetime1">
               <a:rPr lang="en-US" smtClean="0"/>
-              <a:t>5/5/2023</a:t>
+              <a:t>6/21/2023</a:t>
             </a:fld>
             <a:endParaRPr lang="en-US"/>
           </a:p>
@@ -2410,7 +2410,7 @@
           <a:p>
             <a:fld id="{8DBF913E-3F18-4AE4-A521-5546F23394FD}" type="datetime1">
               <a:rPr lang="en-US" smtClean="0"/>
-              <a:t>5/5/2023</a:t>
+              <a:t>6/21/2023</a:t>
             </a:fld>
             <a:endParaRPr lang="en-US"/>
           </a:p>
@@ -2880,7 +2880,7 @@
           <a:p>
             <a:fld id="{421071EA-A2A1-4B83-9FE9-827C1480F45E}" type="datetime1">
               <a:rPr lang="en-US" smtClean="0"/>
-              <a:t>5/5/2023</a:t>
+              <a:t>6/21/2023</a:t>
             </a:fld>
             <a:endParaRPr lang="en-US"/>
           </a:p>
@@ -3334,7 +3334,7 @@
           <a:p>
             <a:fld id="{7D2504F1-5060-4C10-BD92-0633042B2812}" type="datetime1">
               <a:rPr lang="en-US" smtClean="0"/>
-              <a:t>5/5/2023</a:t>
+              <a:t>6/21/2023</a:t>
             </a:fld>
             <a:endParaRPr lang="en-US"/>
           </a:p>
@@ -3866,7 +3866,7 @@
           <a:p>
             <a:fld id="{CCF0797F-0516-4828-A9E8-BF81E916FC1D}" type="datetime1">
               <a:rPr lang="en-US" smtClean="0"/>
-              <a:t>5/5/2023</a:t>
+              <a:t>6/21/2023</a:t>
             </a:fld>
             <a:endParaRPr lang="en-US"/>
           </a:p>
@@ -4565,7 +4565,7 @@
           <a:p>
             <a:fld id="{CAC274E3-1008-4E28-BFFC-77C935D233DD}" type="datetime1">
               <a:rPr lang="en-US" smtClean="0"/>
-              <a:t>5/5/2023</a:t>
+              <a:t>6/21/2023</a:t>
             </a:fld>
             <a:endParaRPr lang="en-US"/>
           </a:p>
@@ -4894,7 +4894,7 @@
           <a:p>
             <a:fld id="{81831256-70AB-43BA-B638-B038FD1822DB}" type="datetime1">
               <a:rPr lang="en-US" smtClean="0"/>
-              <a:t>5/5/2023</a:t>
+              <a:t>6/21/2023</a:t>
             </a:fld>
             <a:endParaRPr lang="en-US"/>
           </a:p>
@@ -5007,7 +5007,7 @@
           <a:p>
             <a:fld id="{B4C012F4-50C6-4AFD-90BE-024A8E4A2B02}" type="datetime1">
               <a:rPr lang="en-US" smtClean="0"/>
-              <a:t>5/5/2023</a:t>
+              <a:t>6/21/2023</a:t>
             </a:fld>
             <a:endParaRPr lang="en-US"/>
           </a:p>
@@ -5502,7 +5502,7 @@
           <a:p>
             <a:fld id="{0D6EEE37-F261-4D0D-9D02-D22EFB5FB312}" type="datetime1">
               <a:rPr lang="en-US" smtClean="0"/>
-              <a:t>5/5/2023</a:t>
+              <a:t>6/21/2023</a:t>
             </a:fld>
             <a:endParaRPr lang="en-US" dirty="0"/>
           </a:p>
@@ -5979,7 +5979,7 @@
           <a:p>
             <a:fld id="{5E2207DD-F583-4331-A80F-94A5D95D3F6E}" type="datetime1">
               <a:rPr lang="en-US" smtClean="0"/>
-              <a:t>5/5/2023</a:t>
+              <a:t>6/21/2023</a:t>
             </a:fld>
             <a:endParaRPr lang="en-US"/>
           </a:p>
@@ -6222,7 +6222,7 @@
           <a:p>
             <a:fld id="{DFF62E98-E19A-48A5-B163-ACC3DA57F658}" type="datetime1">
               <a:rPr lang="en-US" smtClean="0"/>
-              <a:t>5/5/2023</a:t>
+              <a:t>6/21/2023</a:t>
             </a:fld>
             <a:endParaRPr lang="en-US"/>
           </a:p>
@@ -6847,7 +6847,9 @@
           <a:lstStyle/>
           <a:p>
             <a:r>
-              <a:rPr lang="fr-FR" sz="4800"/>
+              <a:rPr lang="fr-FR" sz="4800" dirty="0">
+                <a:latin typeface="Bahnschrift SemiBold" panose="020B0502040204020203" pitchFamily="34" charset="0"/>
+              </a:rPr>
               <a:t>Démystifier les langages de haut niveau</a:t>
             </a:r>
           </a:p>
@@ -6882,8 +6884,10 @@
           <a:lstStyle/>
           <a:p>
             <a:r>
-              <a:rPr lang="fr-FR" sz="2000" dirty="0"/>
-              <a:t>Outils Numériques / Semestre 5 / Institut d’Optique / B1_1</a:t>
+              <a:rPr lang="fr-FR" sz="2000" dirty="0">
+                <a:latin typeface="Bahnschrift Light" panose="020B0502040204020203" pitchFamily="34" charset="0"/>
+              </a:rPr>
+              <a:t>Outils Numériques / Semestre 5 Institut d’Optique / B1_1</a:t>
             </a:r>
           </a:p>
         </p:txBody>
